--- a/Presentation.pptx
+++ b/Presentation.pptx
@@ -3442,8 +3442,12 @@
           <a:lstStyle/>
           <a:p>
             <a:r>
-              <a:rPr lang="en-US" dirty="0"/>
-              <a:t>An example Factory Pattern</a:t>
+              <a:rPr lang="en-US" dirty="0" err="1"/>
+              <a:t>get_person</a:t>
+            </a:r>
+            <a:r>
+              <a:rPr lang="en-US" dirty="0"/>
+              <a:t> is an example of the Factory Pattern</a:t>
             </a:r>
           </a:p>
           <a:p>
@@ -13366,6 +13370,19 @@
           <a:p>
             <a:r>
               <a:rPr lang="en-US" dirty="0"/>
+              <a:t>Mozilla started sponsoring Rust in 2009</a:t>
+            </a:r>
+          </a:p>
+          <a:p>
+            <a:pPr lvl="1"/>
+            <a:r>
+              <a:rPr lang="en-US" dirty="0"/>
+              <a:t>However, Rust mostly independent now</a:t>
+            </a:r>
+          </a:p>
+          <a:p>
+            <a:r>
+              <a:rPr lang="en-US" dirty="0"/>
               <a:t>Version 1.0 released in May 2015</a:t>
             </a:r>
           </a:p>
@@ -13374,19 +13391,6 @@
             <a:r>
               <a:rPr lang="en-US" dirty="0"/>
               <a:t>New major edition every 3 years</a:t>
-            </a:r>
-          </a:p>
-          <a:p>
-            <a:r>
-              <a:rPr lang="en-US" dirty="0"/>
-              <a:t>Mozilla started sponsoring Rust in 2009</a:t>
-            </a:r>
-          </a:p>
-          <a:p>
-            <a:pPr lvl="1"/>
-            <a:r>
-              <a:rPr lang="en-US" dirty="0"/>
-              <a:t>However, Rust mostly independent now</a:t>
             </a:r>
           </a:p>
           <a:p>
@@ -17446,7 +17450,7 @@
           <a:p>
             <a:r>
               <a:rPr lang="en-US" dirty="0"/>
-              <a:t>Week 2 – Struct Shorthand</a:t>
+              <a:t>Week 2 – Struct</a:t>
             </a:r>
           </a:p>
         </p:txBody>

--- a/Presentation.pptx
+++ b/Presentation.pptx
@@ -45,11 +45,11 @@
     <p:sldId id="295" r:id="rId36"/>
     <p:sldId id="280" r:id="rId37"/>
     <p:sldId id="304" r:id="rId38"/>
-    <p:sldId id="305" r:id="rId39"/>
-    <p:sldId id="306" r:id="rId40"/>
-    <p:sldId id="302" r:id="rId41"/>
-    <p:sldId id="298" r:id="rId42"/>
-    <p:sldId id="300" r:id="rId43"/>
+    <p:sldId id="306" r:id="rId39"/>
+    <p:sldId id="302" r:id="rId40"/>
+    <p:sldId id="298" r:id="rId41"/>
+    <p:sldId id="300" r:id="rId42"/>
+    <p:sldId id="305" r:id="rId43"/>
     <p:sldId id="303" r:id="rId44"/>
     <p:sldId id="307" r:id="rId45"/>
     <p:sldId id="268" r:id="rId46"/>
@@ -3151,69 +3151,45 @@
             <a:pPr marL="457200" indent="-298450"/>
             <a:r>
               <a:rPr lang="en-US" dirty="0"/>
-              <a:t>x and y fields are both type “T”. This allows Coordinates to be used for both integers and floating points</a:t>
+              <a:t>Instead of returning a direct result, we can return Option&lt;T&gt; to allow for the returning of “None” or “null”</a:t>
             </a:r>
           </a:p>
           <a:p>
             <a:pPr marL="457200" indent="-298450"/>
             <a:r>
               <a:rPr lang="en-US" dirty="0"/>
-              <a:t>`origin` contains integers while `</a:t>
+              <a:t>Result&lt;T, E&gt; allows us to check if we got an error (</a:t>
             </a:r>
             <a:r>
               <a:rPr lang="en-US" dirty="0" err="1"/>
-              <a:t>some_coord</a:t>
-            </a:r>
-            <a:r>
-              <a:rPr lang="en-US" dirty="0"/>
-              <a:t>` contains floating points</a:t>
-            </a:r>
-          </a:p>
-          <a:p>
-            <a:pPr marL="914400" lvl="1" indent="-298450"/>
-            <a:r>
-              <a:rPr lang="en-US" dirty="0"/>
-              <a:t>Both fields must be the same type; you cannot mix and match. If you want more types, you must specify that within the angled brackets after Coordinate:</a:t>
-            </a:r>
-            <a:br>
-              <a:rPr lang="en-US" dirty="0"/>
-            </a:br>
-            <a:r>
-              <a:rPr lang="en-US" dirty="0"/>
-              <a:t>struct Coordinate&lt;S, T&gt; {</a:t>
-            </a:r>
-            <a:br>
-              <a:rPr lang="en-US" dirty="0"/>
-            </a:br>
-            <a:r>
-              <a:rPr lang="en-US" dirty="0"/>
-              <a:t>    x: S,</a:t>
-            </a:r>
-            <a:br>
-              <a:rPr lang="en-US" dirty="0"/>
-            </a:br>
-            <a:r>
-              <a:rPr lang="en-US" dirty="0"/>
-              <a:t>    y: T</a:t>
-            </a:r>
-            <a:br>
-              <a:rPr lang="en-US" dirty="0"/>
-            </a:br>
-            <a:r>
-              <a:rPr lang="en-US" dirty="0"/>
-              <a:t>}</a:t>
-            </a:r>
-          </a:p>
-          <a:p>
-            <a:pPr marL="914400" lvl="1" indent="-298450"/>
-            <a:endParaRPr lang="en-US" dirty="0"/>
+              <a:t>ie</a:t>
+            </a:r>
+            <a:r>
+              <a:rPr lang="en-US" dirty="0"/>
+              <a:t> trying to open a file failed)</a:t>
+            </a:r>
+          </a:p>
+          <a:p>
+            <a:pPr marL="457200" indent="-298450"/>
+            <a:r>
+              <a:rPr lang="en-US" b="1" dirty="0"/>
+              <a:t>If we return an </a:t>
+            </a:r>
+            <a:r>
+              <a:rPr lang="en-US" b="1" dirty="0" err="1"/>
+              <a:t>enum</a:t>
+            </a:r>
+            <a:r>
+              <a:rPr lang="en-US" b="1" dirty="0"/>
+              <a:t>, the Rust  compiler can check to make sure the caller accounts for every possible case.</a:t>
+            </a:r>
           </a:p>
         </p:txBody>
       </p:sp>
     </p:spTree>
     <p:extLst>
       <p:ext uri="{BB962C8B-B14F-4D97-AF65-F5344CB8AC3E}">
-        <p14:creationId xmlns:p14="http://schemas.microsoft.com/office/powerpoint/2010/main" val="1053779073"/>
+        <p14:creationId xmlns:p14="http://schemas.microsoft.com/office/powerpoint/2010/main" val="411941136"/>
       </p:ext>
     </p:extLst>
   </p:cSld>
@@ -3272,40 +3248,9 @@
           <a:bodyPr/>
           <a:lstStyle/>
           <a:p>
-            <a:pPr marL="457200" indent="-298450"/>
-            <a:r>
-              <a:rPr lang="en-US" dirty="0"/>
-              <a:t>Instead of returning a direct result, we can return Option&lt;T&gt; to allow for the returning of “None” or “null”</a:t>
-            </a:r>
-          </a:p>
-          <a:p>
-            <a:pPr marL="457200" indent="-298450"/>
-            <a:r>
-              <a:rPr lang="en-US" dirty="0"/>
-              <a:t>Result&lt;T, E&gt; allows us to check if we got an error (</a:t>
-            </a:r>
-            <a:r>
-              <a:rPr lang="en-US" dirty="0" err="1"/>
-              <a:t>ie</a:t>
-            </a:r>
-            <a:r>
-              <a:rPr lang="en-US" dirty="0"/>
-              <a:t> trying to open a file failed)</a:t>
-            </a:r>
-          </a:p>
-          <a:p>
-            <a:pPr marL="457200" indent="-298450"/>
-            <a:r>
-              <a:rPr lang="en-US" b="1" dirty="0"/>
-              <a:t>If we return an </a:t>
-            </a:r>
-            <a:r>
-              <a:rPr lang="en-US" b="1" dirty="0" err="1"/>
-              <a:t>enum</a:t>
-            </a:r>
-            <a:r>
-              <a:rPr lang="en-US" b="1" dirty="0"/>
-              <a:t>, the Rust  compiler can check to make sure the caller accounts for every possible case.</a:t>
+            <a:r>
+              <a:rPr lang="en-US" dirty="0"/>
+              <a:t>Rust showing more of its low-level nature. There are no classes. Instead, structs (like C) are used.</a:t>
             </a:r>
           </a:p>
         </p:txBody>
@@ -3313,7 +3258,7 @@
     </p:spTree>
     <p:extLst>
       <p:ext uri="{BB962C8B-B14F-4D97-AF65-F5344CB8AC3E}">
-        <p14:creationId xmlns:p14="http://schemas.microsoft.com/office/powerpoint/2010/main" val="411941136"/>
+        <p14:creationId xmlns:p14="http://schemas.microsoft.com/office/powerpoint/2010/main" val="138004954"/>
       </p:ext>
     </p:extLst>
   </p:cSld>
@@ -3373,8 +3318,22 @@
           <a:lstStyle/>
           <a:p>
             <a:r>
-              <a:rPr lang="en-US" dirty="0"/>
-              <a:t>Rust showing more of its low-level nature. There are no classes. Instead, structs (like C) are used.</a:t>
+              <a:rPr lang="en-US" dirty="0" err="1"/>
+              <a:t>get_person</a:t>
+            </a:r>
+            <a:r>
+              <a:rPr lang="en-US" dirty="0"/>
+              <a:t> is an example of the Factory Pattern</a:t>
+            </a:r>
+          </a:p>
+          <a:p>
+            <a:r>
+              <a:rPr lang="en-US" dirty="0" err="1"/>
+              <a:t>get_person</a:t>
+            </a:r>
+            <a:r>
+              <a:rPr lang="en-US" dirty="0"/>
+              <a:t> uses shorthand syntax for defining a new struct. The variable name must match a struct field.</a:t>
             </a:r>
           </a:p>
         </p:txBody>
@@ -3382,7 +3341,7 @@
     </p:spTree>
     <p:extLst>
       <p:ext uri="{BB962C8B-B14F-4D97-AF65-F5344CB8AC3E}">
-        <p14:creationId xmlns:p14="http://schemas.microsoft.com/office/powerpoint/2010/main" val="138004954"/>
+        <p14:creationId xmlns:p14="http://schemas.microsoft.com/office/powerpoint/2010/main" val="1583565076"/>
       </p:ext>
     </p:extLst>
   </p:cSld>
@@ -3442,30 +3401,33 @@
           <a:lstStyle/>
           <a:p>
             <a:r>
+              <a:rPr lang="en-US" dirty="0"/>
+              <a:t>Prints out “Benjamin”</a:t>
+            </a:r>
+          </a:p>
+          <a:p>
+            <a:r>
+              <a:rPr lang="en-US" dirty="0"/>
+              <a:t>Again, notice how </a:t>
+            </a:r>
+            <a:r>
               <a:rPr lang="en-US" dirty="0" err="1"/>
-              <a:t>get_person</a:t>
-            </a:r>
-            <a:r>
-              <a:rPr lang="en-US" dirty="0"/>
-              <a:t> is an example of the Factory Pattern</a:t>
-            </a:r>
-          </a:p>
-          <a:p>
-            <a:r>
-              <a:rPr lang="en-US" dirty="0" err="1"/>
-              <a:t>get_person</a:t>
-            </a:r>
-            <a:r>
-              <a:rPr lang="en-US" dirty="0"/>
-              <a:t> uses shorthand syntax for defining a new struct. The variable name must match a struct field.</a:t>
-            </a:r>
+              <a:t>get_person_name</a:t>
+            </a:r>
+            <a:r>
+              <a:rPr lang="en-US" dirty="0"/>
+              <a:t> has a single statement at the end which gets returned (implicit return)</a:t>
+            </a:r>
+          </a:p>
+          <a:p>
+            <a:endParaRPr lang="en-US" dirty="0"/>
           </a:p>
         </p:txBody>
       </p:sp>
     </p:spTree>
     <p:extLst>
       <p:ext uri="{BB962C8B-B14F-4D97-AF65-F5344CB8AC3E}">
-        <p14:creationId xmlns:p14="http://schemas.microsoft.com/office/powerpoint/2010/main" val="1583565076"/>
+        <p14:creationId xmlns:p14="http://schemas.microsoft.com/office/powerpoint/2010/main" val="2539294062"/>
       </p:ext>
     </p:extLst>
   </p:cSld>
@@ -3524,26 +3486,64 @@
           <a:bodyPr/>
           <a:lstStyle/>
           <a:p>
-            <a:r>
-              <a:rPr lang="en-US" dirty="0"/>
-              <a:t>Prints out “Benjamin”</a:t>
-            </a:r>
-          </a:p>
-          <a:p>
-            <a:r>
-              <a:rPr lang="en-US" dirty="0"/>
-              <a:t>Again, notice how </a:t>
+            <a:pPr marL="457200" indent="-298450"/>
+            <a:r>
+              <a:rPr lang="en-US" dirty="0"/>
+              <a:t>x and y fields are both type “T”. This allows Coordinates to be used for both integers and floating points</a:t>
+            </a:r>
+          </a:p>
+          <a:p>
+            <a:pPr marL="457200" indent="-298450"/>
+            <a:r>
+              <a:rPr lang="en-US" dirty="0"/>
+              <a:t>`origin` contains integers while `</a:t>
             </a:r>
             <a:r>
               <a:rPr lang="en-US" dirty="0" err="1"/>
-              <a:t>get_person_name</a:t>
-            </a:r>
-            <a:r>
-              <a:rPr lang="en-US" dirty="0"/>
-              <a:t> has a single statement at the end which gets returned (implicit return)</a:t>
-            </a:r>
-          </a:p>
-          <a:p>
+              <a:t>some_coord</a:t>
+            </a:r>
+            <a:r>
+              <a:rPr lang="en-US" dirty="0"/>
+              <a:t>` contains floating points</a:t>
+            </a:r>
+          </a:p>
+          <a:p>
+            <a:pPr marL="914400" lvl="1" indent="-298450"/>
+            <a:r>
+              <a:rPr lang="en-US" dirty="0"/>
+              <a:t>Both fields must be the same type; you cannot mix and match. If you want more types, you must specify that within the angled brackets after Coordinate:</a:t>
+            </a:r>
+            <a:br>
+              <a:rPr lang="en-US" dirty="0"/>
+            </a:br>
+            <a:r>
+              <a:rPr lang="en-US" dirty="0"/>
+              <a:t>struct Coordinate&lt;S, T&gt; {</a:t>
+            </a:r>
+            <a:br>
+              <a:rPr lang="en-US" dirty="0"/>
+            </a:br>
+            <a:r>
+              <a:rPr lang="en-US" dirty="0"/>
+              <a:t>    x: S,</a:t>
+            </a:r>
+            <a:br>
+              <a:rPr lang="en-US" dirty="0"/>
+            </a:br>
+            <a:r>
+              <a:rPr lang="en-US" dirty="0"/>
+              <a:t>    y: T</a:t>
+            </a:r>
+            <a:br>
+              <a:rPr lang="en-US" dirty="0"/>
+            </a:br>
+            <a:r>
+              <a:rPr lang="en-US" dirty="0"/>
+              <a:t>}</a:t>
+            </a:r>
+          </a:p>
+          <a:p>
+            <a:pPr marL="914400" lvl="1" indent="-298450"/>
             <a:endParaRPr lang="en-US" dirty="0"/>
           </a:p>
         </p:txBody>
@@ -3551,7 +3551,7 @@
     </p:spTree>
     <p:extLst>
       <p:ext uri="{BB962C8B-B14F-4D97-AF65-F5344CB8AC3E}">
-        <p14:creationId xmlns:p14="http://schemas.microsoft.com/office/powerpoint/2010/main" val="2539294062"/>
+        <p14:creationId xmlns:p14="http://schemas.microsoft.com/office/powerpoint/2010/main" val="1053779073"/>
       </p:ext>
     </p:extLst>
   </p:cSld>
@@ -16624,131 +16624,7 @@
           <a:p>
             <a:r>
               <a:rPr lang="en-US" dirty="0"/>
-              <a:t>Week 2 – Side Tangent: Generics</a:t>
-            </a:r>
-          </a:p>
-        </p:txBody>
-      </p:sp>
-      <p:sp>
-        <p:nvSpPr>
-          <p:cNvPr id="3" name="Text Placeholder 2">
-            <a:extLst>
-              <a:ext uri="{FF2B5EF4-FFF2-40B4-BE49-F238E27FC236}">
-                <a16:creationId xmlns:a16="http://schemas.microsoft.com/office/drawing/2014/main" id="{816090BF-E2DB-4A59-B21C-95F4A22ADF73}"/>
-              </a:ext>
-            </a:extLst>
-          </p:cNvPr>
-          <p:cNvSpPr>
-            <a:spLocks noGrp="1"/>
-          </p:cNvSpPr>
-          <p:nvPr>
-            <p:ph type="body" idx="1"/>
-          </p:nvPr>
-        </p:nvSpPr>
-        <p:spPr/>
-        <p:txBody>
-          <a:bodyPr/>
-          <a:lstStyle/>
-          <a:p>
-            <a:r>
-              <a:rPr lang="en-US" dirty="0"/>
-              <a:t>Rust supports Generic types like Java</a:t>
-            </a:r>
-          </a:p>
-          <a:p>
-            <a:r>
-              <a:rPr lang="en-US" dirty="0"/>
-              <a:t>This lets structs hold many different types</a:t>
-            </a:r>
-          </a:p>
-        </p:txBody>
-      </p:sp>
-      <p:pic>
-        <p:nvPicPr>
-          <p:cNvPr id="5" name="Picture 4">
-            <a:extLst>
-              <a:ext uri="{FF2B5EF4-FFF2-40B4-BE49-F238E27FC236}">
-                <a16:creationId xmlns:a16="http://schemas.microsoft.com/office/drawing/2014/main" id="{E0C7260E-A2B3-4DCC-A6C8-A029F48EB427}"/>
-              </a:ext>
-            </a:extLst>
-          </p:cNvPr>
-          <p:cNvPicPr>
-            <a:picLocks noChangeAspect="1"/>
-          </p:cNvPicPr>
-          <p:nvPr/>
-        </p:nvPicPr>
-        <p:blipFill>
-          <a:blip r:embed="rId3"/>
-          <a:stretch>
-            <a:fillRect/>
-          </a:stretch>
-        </p:blipFill>
-        <p:spPr>
-          <a:xfrm>
-            <a:off x="904875" y="1990898"/>
-            <a:ext cx="7334250" cy="2324100"/>
-          </a:xfrm>
-          <a:prstGeom prst="rect">
-            <a:avLst/>
-          </a:prstGeom>
-        </p:spPr>
-      </p:pic>
-    </p:spTree>
-    <p:extLst>
-      <p:ext uri="{BB962C8B-B14F-4D97-AF65-F5344CB8AC3E}">
-        <p14:creationId xmlns:p14="http://schemas.microsoft.com/office/powerpoint/2010/main" val="3643288609"/>
-      </p:ext>
-    </p:extLst>
-  </p:cSld>
-  <p:clrMapOvr>
-    <a:masterClrMapping/>
-  </p:clrMapOvr>
-</p:sld>
-</file>
-
-<file path=ppt/slides/slide39.xml><?xml version="1.0" encoding="utf-8"?>
-<p:sld xmlns:a="http://schemas.openxmlformats.org/drawingml/2006/main" xmlns:r="http://schemas.openxmlformats.org/officeDocument/2006/relationships" xmlns:p="http://schemas.openxmlformats.org/presentationml/2006/main">
-  <p:cSld>
-    <p:spTree>
-      <p:nvGrpSpPr>
-        <p:cNvPr id="1" name=""/>
-        <p:cNvGrpSpPr/>
-        <p:nvPr/>
-      </p:nvGrpSpPr>
-      <p:grpSpPr>
-        <a:xfrm>
-          <a:off x="0" y="0"/>
-          <a:ext cx="0" cy="0"/>
-          <a:chOff x="0" y="0"/>
-          <a:chExt cx="0" cy="0"/>
-        </a:xfrm>
-      </p:grpSpPr>
-      <p:sp>
-        <p:nvSpPr>
-          <p:cNvPr id="2" name="Title 1">
-            <a:extLst>
-              <a:ext uri="{FF2B5EF4-FFF2-40B4-BE49-F238E27FC236}">
-                <a16:creationId xmlns:a16="http://schemas.microsoft.com/office/drawing/2014/main" id="{DB8A6BDB-15B6-472F-9242-809F28860173}"/>
-              </a:ext>
-            </a:extLst>
-          </p:cNvPr>
-          <p:cNvSpPr>
-            <a:spLocks noGrp="1"/>
-          </p:cNvSpPr>
-          <p:nvPr>
-            <p:ph type="title"/>
-          </p:nvPr>
-        </p:nvSpPr>
-        <p:spPr/>
-        <p:txBody>
-          <a:bodyPr>
-            <a:normAutofit fontScale="90000"/>
-          </a:bodyPr>
-          <a:lstStyle/>
-          <a:p>
-            <a:r>
-              <a:rPr lang="en-US" dirty="0"/>
-              <a:t>Week 2 – Special Structs</a:t>
+              <a:t>Week 2 – Special Enums</a:t>
             </a:r>
           </a:p>
         </p:txBody>
@@ -16861,6 +16737,131 @@
     <p:extLst>
       <p:ext uri="{BB962C8B-B14F-4D97-AF65-F5344CB8AC3E}">
         <p14:creationId xmlns:p14="http://schemas.microsoft.com/office/powerpoint/2010/main" val="1267752262"/>
+      </p:ext>
+    </p:extLst>
+  </p:cSld>
+  <p:clrMapOvr>
+    <a:masterClrMapping/>
+  </p:clrMapOvr>
+</p:sld>
+</file>
+
+<file path=ppt/slides/slide39.xml><?xml version="1.0" encoding="utf-8"?>
+<p:sld xmlns:a="http://schemas.openxmlformats.org/drawingml/2006/main" xmlns:r="http://schemas.openxmlformats.org/officeDocument/2006/relationships" xmlns:p="http://schemas.openxmlformats.org/presentationml/2006/main">
+  <p:cSld>
+    <p:spTree>
+      <p:nvGrpSpPr>
+        <p:cNvPr id="1" name=""/>
+        <p:cNvGrpSpPr/>
+        <p:nvPr/>
+      </p:nvGrpSpPr>
+      <p:grpSpPr>
+        <a:xfrm>
+          <a:off x="0" y="0"/>
+          <a:ext cx="0" cy="0"/>
+          <a:chOff x="0" y="0"/>
+          <a:chExt cx="0" cy="0"/>
+        </a:xfrm>
+      </p:grpSpPr>
+      <p:sp>
+        <p:nvSpPr>
+          <p:cNvPr id="2" name="Title 1">
+            <a:extLst>
+              <a:ext uri="{FF2B5EF4-FFF2-40B4-BE49-F238E27FC236}">
+                <a16:creationId xmlns:a16="http://schemas.microsoft.com/office/drawing/2014/main" id="{DB8A6BDB-15B6-472F-9242-809F28860173}"/>
+              </a:ext>
+            </a:extLst>
+          </p:cNvPr>
+          <p:cNvSpPr>
+            <a:spLocks noGrp="1"/>
+          </p:cNvSpPr>
+          <p:nvPr>
+            <p:ph type="title"/>
+          </p:nvPr>
+        </p:nvSpPr>
+        <p:spPr/>
+        <p:txBody>
+          <a:bodyPr>
+            <a:normAutofit fontScale="90000"/>
+          </a:bodyPr>
+          <a:lstStyle/>
+          <a:p>
+            <a:r>
+              <a:rPr lang="en-US" dirty="0"/>
+              <a:t>Week 2 – Structs</a:t>
+            </a:r>
+          </a:p>
+        </p:txBody>
+      </p:sp>
+      <p:sp>
+        <p:nvSpPr>
+          <p:cNvPr id="3" name="Text Placeholder 2">
+            <a:extLst>
+              <a:ext uri="{FF2B5EF4-FFF2-40B4-BE49-F238E27FC236}">
+                <a16:creationId xmlns:a16="http://schemas.microsoft.com/office/drawing/2014/main" id="{816090BF-E2DB-4A59-B21C-95F4A22ADF73}"/>
+              </a:ext>
+            </a:extLst>
+          </p:cNvPr>
+          <p:cNvSpPr>
+            <a:spLocks noGrp="1"/>
+          </p:cNvSpPr>
+          <p:nvPr>
+            <p:ph type="body" idx="1"/>
+          </p:nvPr>
+        </p:nvSpPr>
+        <p:spPr/>
+        <p:txBody>
+          <a:bodyPr/>
+          <a:lstStyle/>
+          <a:p>
+            <a:r>
+              <a:rPr lang="en-US" dirty="0"/>
+              <a:t>Rust does not have “Classes”</a:t>
+            </a:r>
+            <a:br>
+              <a:rPr lang="en-US" dirty="0"/>
+            </a:br>
+            <a:r>
+              <a:rPr lang="en-US" dirty="0"/>
+              <a:t>Lower-level struct view is used</a:t>
+            </a:r>
+          </a:p>
+        </p:txBody>
+      </p:sp>
+      <p:pic>
+        <p:nvPicPr>
+          <p:cNvPr id="5" name="Picture 4">
+            <a:extLst>
+              <a:ext uri="{FF2B5EF4-FFF2-40B4-BE49-F238E27FC236}">
+                <a16:creationId xmlns:a16="http://schemas.microsoft.com/office/drawing/2014/main" id="{F9641878-D801-4855-938B-6A015343AC7F}"/>
+              </a:ext>
+            </a:extLst>
+          </p:cNvPr>
+          <p:cNvPicPr>
+            <a:picLocks noChangeAspect="1"/>
+          </p:cNvPicPr>
+          <p:nvPr/>
+        </p:nvPicPr>
+        <p:blipFill>
+          <a:blip r:embed="rId3"/>
+          <a:stretch>
+            <a:fillRect/>
+          </a:stretch>
+        </p:blipFill>
+        <p:spPr>
+          <a:xfrm>
+            <a:off x="890587" y="2009175"/>
+            <a:ext cx="4733925" cy="2771775"/>
+          </a:xfrm>
+          <a:prstGeom prst="rect">
+            <a:avLst/>
+          </a:prstGeom>
+        </p:spPr>
+      </p:pic>
+    </p:spTree>
+    <p:extLst>
+      <p:ext uri="{BB962C8B-B14F-4D97-AF65-F5344CB8AC3E}">
+        <p14:creationId xmlns:p14="http://schemas.microsoft.com/office/powerpoint/2010/main" val="2648749360"/>
       </p:ext>
     </p:extLst>
   </p:cSld>
@@ -17325,131 +17326,6 @@
           <a:p>
             <a:r>
               <a:rPr lang="en-US" dirty="0"/>
-              <a:t>Week 2 – Structs</a:t>
-            </a:r>
-          </a:p>
-        </p:txBody>
-      </p:sp>
-      <p:sp>
-        <p:nvSpPr>
-          <p:cNvPr id="3" name="Text Placeholder 2">
-            <a:extLst>
-              <a:ext uri="{FF2B5EF4-FFF2-40B4-BE49-F238E27FC236}">
-                <a16:creationId xmlns:a16="http://schemas.microsoft.com/office/drawing/2014/main" id="{816090BF-E2DB-4A59-B21C-95F4A22ADF73}"/>
-              </a:ext>
-            </a:extLst>
-          </p:cNvPr>
-          <p:cNvSpPr>
-            <a:spLocks noGrp="1"/>
-          </p:cNvSpPr>
-          <p:nvPr>
-            <p:ph type="body" idx="1"/>
-          </p:nvPr>
-        </p:nvSpPr>
-        <p:spPr/>
-        <p:txBody>
-          <a:bodyPr/>
-          <a:lstStyle/>
-          <a:p>
-            <a:r>
-              <a:rPr lang="en-US" dirty="0"/>
-              <a:t>Rust does not have “Classes”</a:t>
-            </a:r>
-            <a:br>
-              <a:rPr lang="en-US" dirty="0"/>
-            </a:br>
-            <a:r>
-              <a:rPr lang="en-US" dirty="0"/>
-              <a:t>Lower-level struct view is used</a:t>
-            </a:r>
-          </a:p>
-        </p:txBody>
-      </p:sp>
-      <p:pic>
-        <p:nvPicPr>
-          <p:cNvPr id="5" name="Picture 4">
-            <a:extLst>
-              <a:ext uri="{FF2B5EF4-FFF2-40B4-BE49-F238E27FC236}">
-                <a16:creationId xmlns:a16="http://schemas.microsoft.com/office/drawing/2014/main" id="{F9641878-D801-4855-938B-6A015343AC7F}"/>
-              </a:ext>
-            </a:extLst>
-          </p:cNvPr>
-          <p:cNvPicPr>
-            <a:picLocks noChangeAspect="1"/>
-          </p:cNvPicPr>
-          <p:nvPr/>
-        </p:nvPicPr>
-        <p:blipFill>
-          <a:blip r:embed="rId3"/>
-          <a:stretch>
-            <a:fillRect/>
-          </a:stretch>
-        </p:blipFill>
-        <p:spPr>
-          <a:xfrm>
-            <a:off x="890587" y="2009175"/>
-            <a:ext cx="4733925" cy="2771775"/>
-          </a:xfrm>
-          <a:prstGeom prst="rect">
-            <a:avLst/>
-          </a:prstGeom>
-        </p:spPr>
-      </p:pic>
-    </p:spTree>
-    <p:extLst>
-      <p:ext uri="{BB962C8B-B14F-4D97-AF65-F5344CB8AC3E}">
-        <p14:creationId xmlns:p14="http://schemas.microsoft.com/office/powerpoint/2010/main" val="2648749360"/>
-      </p:ext>
-    </p:extLst>
-  </p:cSld>
-  <p:clrMapOvr>
-    <a:masterClrMapping/>
-  </p:clrMapOvr>
-</p:sld>
-</file>
-
-<file path=ppt/slides/slide41.xml><?xml version="1.0" encoding="utf-8"?>
-<p:sld xmlns:a="http://schemas.openxmlformats.org/drawingml/2006/main" xmlns:r="http://schemas.openxmlformats.org/officeDocument/2006/relationships" xmlns:p="http://schemas.openxmlformats.org/presentationml/2006/main">
-  <p:cSld>
-    <p:spTree>
-      <p:nvGrpSpPr>
-        <p:cNvPr id="1" name=""/>
-        <p:cNvGrpSpPr/>
-        <p:nvPr/>
-      </p:nvGrpSpPr>
-      <p:grpSpPr>
-        <a:xfrm>
-          <a:off x="0" y="0"/>
-          <a:ext cx="0" cy="0"/>
-          <a:chOff x="0" y="0"/>
-          <a:chExt cx="0" cy="0"/>
-        </a:xfrm>
-      </p:grpSpPr>
-      <p:sp>
-        <p:nvSpPr>
-          <p:cNvPr id="2" name="Title 1">
-            <a:extLst>
-              <a:ext uri="{FF2B5EF4-FFF2-40B4-BE49-F238E27FC236}">
-                <a16:creationId xmlns:a16="http://schemas.microsoft.com/office/drawing/2014/main" id="{DB8A6BDB-15B6-472F-9242-809F28860173}"/>
-              </a:ext>
-            </a:extLst>
-          </p:cNvPr>
-          <p:cNvSpPr>
-            <a:spLocks noGrp="1"/>
-          </p:cNvSpPr>
-          <p:nvPr>
-            <p:ph type="title"/>
-          </p:nvPr>
-        </p:nvSpPr>
-        <p:spPr/>
-        <p:txBody>
-          <a:bodyPr>
-            <a:normAutofit fontScale="90000"/>
-          </a:bodyPr>
-          <a:lstStyle/>
-          <a:p>
-            <a:r>
-              <a:rPr lang="en-US" dirty="0"/>
               <a:t>Week 2 – Struct</a:t>
             </a:r>
           </a:p>
@@ -17498,7 +17374,7 @@
 </p:sld>
 </file>
 
-<file path=ppt/slides/slide42.xml><?xml version="1.0" encoding="utf-8"?>
+<file path=ppt/slides/slide41.xml><?xml version="1.0" encoding="utf-8"?>
 <p:sld xmlns:a="http://schemas.openxmlformats.org/drawingml/2006/main" xmlns:r="http://schemas.openxmlformats.org/officeDocument/2006/relationships" xmlns:p="http://schemas.openxmlformats.org/presentationml/2006/main">
   <p:cSld>
     <p:spTree>
@@ -17614,6 +17490,130 @@
     <p:extLst>
       <p:ext uri="{BB962C8B-B14F-4D97-AF65-F5344CB8AC3E}">
         <p14:creationId xmlns:p14="http://schemas.microsoft.com/office/powerpoint/2010/main" val="1549327135"/>
+      </p:ext>
+    </p:extLst>
+  </p:cSld>
+  <p:clrMapOvr>
+    <a:masterClrMapping/>
+  </p:clrMapOvr>
+</p:sld>
+</file>
+
+<file path=ppt/slides/slide42.xml><?xml version="1.0" encoding="utf-8"?>
+<p:sld xmlns:a="http://schemas.openxmlformats.org/drawingml/2006/main" xmlns:r="http://schemas.openxmlformats.org/officeDocument/2006/relationships" xmlns:p="http://schemas.openxmlformats.org/presentationml/2006/main">
+  <p:cSld>
+    <p:spTree>
+      <p:nvGrpSpPr>
+        <p:cNvPr id="1" name=""/>
+        <p:cNvGrpSpPr/>
+        <p:nvPr/>
+      </p:nvGrpSpPr>
+      <p:grpSpPr>
+        <a:xfrm>
+          <a:off x="0" y="0"/>
+          <a:ext cx="0" cy="0"/>
+          <a:chOff x="0" y="0"/>
+          <a:chExt cx="0" cy="0"/>
+        </a:xfrm>
+      </p:grpSpPr>
+      <p:sp>
+        <p:nvSpPr>
+          <p:cNvPr id="2" name="Title 1">
+            <a:extLst>
+              <a:ext uri="{FF2B5EF4-FFF2-40B4-BE49-F238E27FC236}">
+                <a16:creationId xmlns:a16="http://schemas.microsoft.com/office/drawing/2014/main" id="{DB8A6BDB-15B6-472F-9242-809F28860173}"/>
+              </a:ext>
+            </a:extLst>
+          </p:cNvPr>
+          <p:cNvSpPr>
+            <a:spLocks noGrp="1"/>
+          </p:cNvSpPr>
+          <p:nvPr>
+            <p:ph type="title"/>
+          </p:nvPr>
+        </p:nvSpPr>
+        <p:spPr/>
+        <p:txBody>
+          <a:bodyPr>
+            <a:normAutofit fontScale="90000"/>
+          </a:bodyPr>
+          <a:lstStyle/>
+          <a:p>
+            <a:r>
+              <a:rPr lang="en-US" dirty="0"/>
+              <a:t>Week 2 – Side Tangent: Generics</a:t>
+            </a:r>
+          </a:p>
+        </p:txBody>
+      </p:sp>
+      <p:sp>
+        <p:nvSpPr>
+          <p:cNvPr id="3" name="Text Placeholder 2">
+            <a:extLst>
+              <a:ext uri="{FF2B5EF4-FFF2-40B4-BE49-F238E27FC236}">
+                <a16:creationId xmlns:a16="http://schemas.microsoft.com/office/drawing/2014/main" id="{816090BF-E2DB-4A59-B21C-95F4A22ADF73}"/>
+              </a:ext>
+            </a:extLst>
+          </p:cNvPr>
+          <p:cNvSpPr>
+            <a:spLocks noGrp="1"/>
+          </p:cNvSpPr>
+          <p:nvPr>
+            <p:ph type="body" idx="1"/>
+          </p:nvPr>
+        </p:nvSpPr>
+        <p:spPr/>
+        <p:txBody>
+          <a:bodyPr/>
+          <a:lstStyle/>
+          <a:p>
+            <a:r>
+              <a:rPr lang="en-US" dirty="0"/>
+              <a:t>Rust supports Generic types like Java</a:t>
+            </a:r>
+          </a:p>
+          <a:p>
+            <a:r>
+              <a:rPr lang="en-US" dirty="0"/>
+              <a:t>This lets structs hold many different types</a:t>
+            </a:r>
+          </a:p>
+        </p:txBody>
+      </p:sp>
+      <p:pic>
+        <p:nvPicPr>
+          <p:cNvPr id="5" name="Picture 4">
+            <a:extLst>
+              <a:ext uri="{FF2B5EF4-FFF2-40B4-BE49-F238E27FC236}">
+                <a16:creationId xmlns:a16="http://schemas.microsoft.com/office/drawing/2014/main" id="{E0C7260E-A2B3-4DCC-A6C8-A029F48EB427}"/>
+              </a:ext>
+            </a:extLst>
+          </p:cNvPr>
+          <p:cNvPicPr>
+            <a:picLocks noChangeAspect="1"/>
+          </p:cNvPicPr>
+          <p:nvPr/>
+        </p:nvPicPr>
+        <p:blipFill>
+          <a:blip r:embed="rId3"/>
+          <a:stretch>
+            <a:fillRect/>
+          </a:stretch>
+        </p:blipFill>
+        <p:spPr>
+          <a:xfrm>
+            <a:off x="904875" y="1990898"/>
+            <a:ext cx="7334250" cy="2324100"/>
+          </a:xfrm>
+          <a:prstGeom prst="rect">
+            <a:avLst/>
+          </a:prstGeom>
+        </p:spPr>
+      </p:pic>
+    </p:spTree>
+    <p:extLst>
+      <p:ext uri="{BB962C8B-B14F-4D97-AF65-F5344CB8AC3E}">
+        <p14:creationId xmlns:p14="http://schemas.microsoft.com/office/powerpoint/2010/main" val="3643288609"/>
       </p:ext>
     </p:extLst>
   </p:cSld>
